--- a/slides/06-gradient-descent.pptx
+++ b/slides/06-gradient-descent.pptx
@@ -337,7 +337,7 @@
           <a:p>
             <a:fld id="{A5320152-7289-42ED-97D3-BBB411F9F8C0}" type="datetimeFigureOut">
               <a:rPr lang="en-US" smtClean="0"/>
-              <a:t>1/9/2026</a:t>
+              <a:t>1/22/2026</a:t>
             </a:fld>
             <a:endParaRPr lang="en-US"/>
           </a:p>
@@ -1416,7 +1416,7 @@
           <a:p>
             <a:fld id="{D1D1EADE-8E88-4C7C-8AC5-FB148DE4940E}" type="datetime1">
               <a:rPr lang="en-US" smtClean="0"/>
-              <a:t>1/9/2026</a:t>
+              <a:t>1/22/2026</a:t>
             </a:fld>
             <a:endParaRPr lang="en-US"/>
           </a:p>
@@ -1616,7 +1616,7 @@
           <a:p>
             <a:fld id="{EC3C8B9C-477D-492A-96AD-1FC2CC997A73}" type="datetime1">
               <a:rPr lang="en-US" smtClean="0"/>
-              <a:t>1/9/2026</a:t>
+              <a:t>1/22/2026</a:t>
             </a:fld>
             <a:endParaRPr lang="en-US"/>
           </a:p>
@@ -1826,7 +1826,7 @@
           <a:p>
             <a:fld id="{42D3AED5-E26D-4E29-B1B3-7847B6779594}" type="datetime1">
               <a:rPr lang="en-US" smtClean="0"/>
-              <a:t>1/9/2026</a:t>
+              <a:t>1/22/2026</a:t>
             </a:fld>
             <a:endParaRPr lang="en-US"/>
           </a:p>
@@ -2026,7 +2026,7 @@
           <a:p>
             <a:fld id="{157B6794-849E-4626-908B-D15793550EFB}" type="datetime1">
               <a:rPr lang="en-US" smtClean="0"/>
-              <a:t>1/9/2026</a:t>
+              <a:t>1/22/2026</a:t>
             </a:fld>
             <a:endParaRPr lang="en-US"/>
           </a:p>
@@ -2302,7 +2302,7 @@
           <a:p>
             <a:fld id="{63DB64E7-5594-42A3-ADBF-E95A7ACEAD64}" type="datetime1">
               <a:rPr lang="en-US" smtClean="0"/>
-              <a:t>1/9/2026</a:t>
+              <a:t>1/22/2026</a:t>
             </a:fld>
             <a:endParaRPr lang="en-US"/>
           </a:p>
@@ -2575,7 +2575,7 @@
           <a:p>
             <a:fld id="{18462B0B-D248-4FFB-8695-AD7FA4B1284A}" type="datetime1">
               <a:rPr lang="en-US" smtClean="0"/>
-              <a:t>1/9/2026</a:t>
+              <a:t>1/22/2026</a:t>
             </a:fld>
             <a:endParaRPr lang="en-US"/>
           </a:p>
@@ -2998,7 +2998,7 @@
           <a:p>
             <a:fld id="{D0378EFB-9159-4510-B73F-4F0409ADE937}" type="datetime1">
               <a:rPr lang="en-US" smtClean="0"/>
-              <a:t>1/9/2026</a:t>
+              <a:t>1/22/2026</a:t>
             </a:fld>
             <a:endParaRPr lang="en-US"/>
           </a:p>
@@ -3140,7 +3140,7 @@
           <a:p>
             <a:fld id="{89BC9412-2452-4BED-A324-9D8C115361AD}" type="datetime1">
               <a:rPr lang="en-US" smtClean="0"/>
-              <a:t>1/9/2026</a:t>
+              <a:t>1/22/2026</a:t>
             </a:fld>
             <a:endParaRPr lang="en-US"/>
           </a:p>
@@ -3253,7 +3253,7 @@
           <a:p>
             <a:fld id="{F5318F62-D251-40E8-A23C-F4CFE9FEAB41}" type="datetime1">
               <a:rPr lang="en-US" smtClean="0"/>
-              <a:t>1/9/2026</a:t>
+              <a:t>1/22/2026</a:t>
             </a:fld>
             <a:endParaRPr lang="en-US"/>
           </a:p>
@@ -3566,7 +3566,7 @@
           <a:p>
             <a:fld id="{44F76144-149E-4874-93A5-554A0357CF82}" type="datetime1">
               <a:rPr lang="en-US" smtClean="0"/>
-              <a:t>1/9/2026</a:t>
+              <a:t>1/22/2026</a:t>
             </a:fld>
             <a:endParaRPr lang="en-US"/>
           </a:p>
@@ -3859,7 +3859,7 @@
           <a:p>
             <a:fld id="{50BA65D8-0540-4835-AE5C-25D29DBA01BE}" type="datetime1">
               <a:rPr lang="en-US" smtClean="0"/>
-              <a:t>1/9/2026</a:t>
+              <a:t>1/22/2026</a:t>
             </a:fld>
             <a:endParaRPr lang="en-US"/>
           </a:p>
@@ -4101,7 +4101,7 @@
           <a:p>
             <a:fld id="{E31BA835-12AC-4E8F-955A-EA3F4DE2791F}" type="datetime1">
               <a:rPr lang="en-US" smtClean="0"/>
-              <a:t>1/9/2026</a:t>
+              <a:t>1/22/2026</a:t>
             </a:fld>
             <a:endParaRPr lang="en-US"/>
           </a:p>
@@ -4978,7 +4978,7 @@
 </file>
 
 <file path=ppt/slides/slide10.xml><?xml version="1.0" encoding="utf-8"?>
-<p:sld xmlns:a="http://schemas.openxmlformats.org/drawingml/2006/main" xmlns:r="http://schemas.openxmlformats.org/officeDocument/2006/relationships" xmlns:p="http://schemas.openxmlformats.org/presentationml/2006/main">
+<p:sld xmlns:a="http://schemas.openxmlformats.org/drawingml/2006/main" xmlns:r="http://schemas.openxmlformats.org/officeDocument/2006/relationships" xmlns:p="http://schemas.openxmlformats.org/presentationml/2006/main" show="0">
   <p:cSld>
     <p:spTree>
       <p:nvGrpSpPr>
@@ -4994,8 +4994,8 @@
           <a:chExt cx="0" cy="0"/>
         </a:xfrm>
       </p:grpSpPr>
-      <mc:AlternateContent xmlns:mc="http://schemas.openxmlformats.org/markup-compatibility/2006">
-        <mc:Choice xmlns:a14="http://schemas.microsoft.com/office/drawing/2010/main" Requires="a14">
+      <mc:AlternateContent xmlns:mc="http://schemas.openxmlformats.org/markup-compatibility/2006" xmlns:a14="http://schemas.microsoft.com/office/drawing/2010/main">
+        <mc:Choice Requires="a14">
           <p:sp>
             <p:nvSpPr>
               <p:cNvPr id="2" name="Content Placeholder 1"/>
@@ -6197,7 +6197,7 @@
             </p:txBody>
           </p:sp>
         </mc:Choice>
-        <mc:Fallback>
+        <mc:Fallback xmlns="">
           <p:sp>
             <p:nvSpPr>
               <p:cNvPr id="2" name="Content Placeholder 1"/>
@@ -6571,8 +6571,8 @@
           <a:chExt cx="0" cy="0"/>
         </a:xfrm>
       </p:grpSpPr>
-      <mc:AlternateContent xmlns:mc="http://schemas.openxmlformats.org/markup-compatibility/2006">
-        <mc:Choice xmlns:a14="http://schemas.microsoft.com/office/drawing/2010/main" Requires="a14">
+      <mc:AlternateContent xmlns:mc="http://schemas.openxmlformats.org/markup-compatibility/2006" xmlns:a14="http://schemas.microsoft.com/office/drawing/2010/main">
+        <mc:Choice Requires="a14">
           <p:sp>
             <p:nvSpPr>
               <p:cNvPr id="2" name="Content Placeholder 1"/>
@@ -6675,13 +6675,7 @@
                               <a:rPr lang="en-US" b="0" i="1" smtClean="0">
                                 <a:latin typeface="Cambria Math" panose="02040503050406030204" pitchFamily="18" charset="0"/>
                               </a:rPr>
-                              <m:t>1</m:t>
-                            </m:r>
-                            <m:r>
-                              <a:rPr lang="en-US" b="0" i="1" smtClean="0">
-                                <a:latin typeface="Cambria Math" panose="02040503050406030204" pitchFamily="18" charset="0"/>
-                              </a:rPr>
-                              <m:t>−</m:t>
+                              <m:t>1−</m:t>
                             </m:r>
                             <m:r>
                               <a:rPr lang="en-US" b="0" i="1" smtClean="0">
@@ -6747,13 +6741,7 @@
                           <a:rPr lang="en-US" b="0" i="1" smtClean="0">
                             <a:latin typeface="Cambria Math" panose="02040503050406030204" pitchFamily="18" charset="0"/>
                           </a:rPr>
-                          <m:t>1</m:t>
-                        </m:r>
-                        <m:r>
-                          <a:rPr lang="en-US" b="0" i="1" smtClean="0">
-                            <a:latin typeface="Cambria Math" panose="02040503050406030204" pitchFamily="18" charset="0"/>
-                          </a:rPr>
-                          <m:t>−</m:t>
+                          <m:t>1−</m:t>
                         </m:r>
                         <m:r>
                           <a:rPr lang="en-US" b="0" i="1" smtClean="0">
@@ -6884,19 +6872,7 @@
                           <a:rPr lang="en-US" b="0" i="1" smtClean="0">
                             <a:latin typeface="Cambria Math" panose="02040503050406030204" pitchFamily="18" charset="0"/>
                           </a:rPr>
-                          <m:t>0</m:t>
-                        </m:r>
-                        <m:r>
-                          <a:rPr lang="en-US" b="0" i="1" smtClean="0">
-                            <a:latin typeface="Cambria Math" panose="02040503050406030204" pitchFamily="18" charset="0"/>
-                          </a:rPr>
-                          <m:t>,</m:t>
-                        </m:r>
-                        <m:r>
-                          <a:rPr lang="en-US" b="0" i="1" smtClean="0">
-                            <a:latin typeface="Cambria Math" panose="02040503050406030204" pitchFamily="18" charset="0"/>
-                          </a:rPr>
-                          <m:t>1</m:t>
+                          <m:t>0,1</m:t>
                         </m:r>
                       </m:e>
                     </m:d>
@@ -6988,13 +6964,7 @@
                               <a:rPr lang="en-US" i="1">
                                 <a:latin typeface="Cambria Math" panose="02040503050406030204" pitchFamily="18" charset="0"/>
                               </a:rPr>
-                              <m:t>1</m:t>
-                            </m:r>
-                            <m:r>
-                              <a:rPr lang="en-US" i="1">
-                                <a:latin typeface="Cambria Math" panose="02040503050406030204" pitchFamily="18" charset="0"/>
-                              </a:rPr>
-                              <m:t>−</m:t>
+                              <m:t>1−</m:t>
                             </m:r>
                             <m:r>
                               <a:rPr lang="en-US" i="1">
@@ -7060,13 +7030,7 @@
                           <a:rPr lang="en-US" i="1">
                             <a:latin typeface="Cambria Math" panose="02040503050406030204" pitchFamily="18" charset="0"/>
                           </a:rPr>
-                          <m:t>1</m:t>
-                        </m:r>
-                        <m:r>
-                          <a:rPr lang="en-US" i="1">
-                            <a:latin typeface="Cambria Math" panose="02040503050406030204" pitchFamily="18" charset="0"/>
-                          </a:rPr>
-                          <m:t>−</m:t>
+                          <m:t>1−</m:t>
                         </m:r>
                         <m:r>
                           <a:rPr lang="en-US" i="1">
@@ -7170,19 +7134,7 @@
                           <a:rPr lang="en-US" b="0" i="1" smtClean="0">
                             <a:latin typeface="Cambria Math" panose="02040503050406030204" pitchFamily="18" charset="0"/>
                           </a:rPr>
-                          <m:t>0</m:t>
-                        </m:r>
-                        <m:r>
-                          <a:rPr lang="en-US" b="0" i="1" smtClean="0">
-                            <a:latin typeface="Cambria Math" panose="02040503050406030204" pitchFamily="18" charset="0"/>
-                          </a:rPr>
-                          <m:t>,</m:t>
-                        </m:r>
-                        <m:r>
-                          <a:rPr lang="en-US" b="0" i="1" smtClean="0">
-                            <a:latin typeface="Cambria Math" panose="02040503050406030204" pitchFamily="18" charset="0"/>
-                          </a:rPr>
-                          <m:t>1</m:t>
+                          <m:t>0,1</m:t>
                         </m:r>
                       </m:e>
                     </m:d>
@@ -7196,7 +7148,7 @@
             </p:txBody>
           </p:sp>
         </mc:Choice>
-        <mc:Fallback>
+        <mc:Fallback xmlns="">
           <p:sp>
             <p:nvSpPr>
               <p:cNvPr id="2" name="Content Placeholder 1"/>
@@ -7569,8 +7521,8 @@
           <a:chExt cx="0" cy="0"/>
         </a:xfrm>
       </p:grpSpPr>
-      <mc:AlternateContent xmlns:mc="http://schemas.openxmlformats.org/markup-compatibility/2006">
-        <mc:Choice xmlns:a14="http://schemas.microsoft.com/office/drawing/2010/main" Requires="a14">
+      <mc:AlternateContent xmlns:mc="http://schemas.openxmlformats.org/markup-compatibility/2006" xmlns:a14="http://schemas.microsoft.com/office/drawing/2010/main">
+        <mc:Choice Requires="a14">
           <p:sp>
             <p:nvSpPr>
               <p:cNvPr id="2" name="Content Placeholder 1"/>
@@ -7664,7 +7616,7 @@
             </p:txBody>
           </p:sp>
         </mc:Choice>
-        <mc:Fallback>
+        <mc:Fallback xmlns="">
           <p:sp>
             <p:nvSpPr>
               <p:cNvPr id="2" name="Content Placeholder 1"/>
@@ -7724,8 +7676,8 @@
           </a:p>
         </p:txBody>
       </p:sp>
-      <mc:AlternateContent xmlns:mc="http://schemas.openxmlformats.org/markup-compatibility/2006">
-        <mc:Choice xmlns:p14="http://schemas.microsoft.com/office/powerpoint/2010/main" Requires="p14">
+      <mc:AlternateContent xmlns:mc="http://schemas.openxmlformats.org/markup-compatibility/2006" xmlns:p14="http://schemas.microsoft.com/office/powerpoint/2010/main">
+        <mc:Choice Requires="p14">
           <p:contentPart p14:bwMode="auto" r:id="rId3">
             <p14:nvContentPartPr>
               <p14:cNvPr id="4" name="Ink 3"/>
@@ -7738,7 +7690,7 @@
             </p14:xfrm>
           </p:contentPart>
         </mc:Choice>
-        <mc:Fallback>
+        <mc:Fallback xmlns="">
           <p:pic>
             <p:nvPicPr>
               <p:cNvPr id="4" name="Ink 3"/>
@@ -8053,8 +8005,8 @@
           <a:chExt cx="0" cy="0"/>
         </a:xfrm>
       </p:grpSpPr>
-      <mc:AlternateContent xmlns:mc="http://schemas.openxmlformats.org/markup-compatibility/2006">
-        <mc:Choice xmlns:a14="http://schemas.microsoft.com/office/drawing/2010/main" Requires="a14">
+      <mc:AlternateContent xmlns:mc="http://schemas.openxmlformats.org/markup-compatibility/2006" xmlns:a14="http://schemas.microsoft.com/office/drawing/2010/main">
+        <mc:Choice Requires="a14">
           <p:sp>
             <p:nvSpPr>
               <p:cNvPr id="2" name="Content Placeholder 1"/>
@@ -8414,7 +8366,7 @@
             </p:txBody>
           </p:sp>
         </mc:Choice>
-        <mc:Fallback>
+        <mc:Fallback xmlns="">
           <p:sp>
             <p:nvSpPr>
               <p:cNvPr id="2" name="Content Placeholder 1"/>
@@ -9273,8 +9225,8 @@
           <a:chExt cx="0" cy="0"/>
         </a:xfrm>
       </p:grpSpPr>
-      <mc:AlternateContent xmlns:mc="http://schemas.openxmlformats.org/markup-compatibility/2006">
-        <mc:Choice xmlns:a14="http://schemas.microsoft.com/office/drawing/2010/main" Requires="a14">
+      <mc:AlternateContent xmlns:mc="http://schemas.openxmlformats.org/markup-compatibility/2006" xmlns:a14="http://schemas.microsoft.com/office/drawing/2010/main">
+        <mc:Choice Requires="a14">
           <p:sp>
             <p:nvSpPr>
               <p:cNvPr id="2" name="Content Placeholder 1"/>
@@ -9666,7 +9618,7 @@
             </p:txBody>
           </p:sp>
         </mc:Choice>
-        <mc:Fallback>
+        <mc:Fallback xmlns="">
           <p:sp>
             <p:nvSpPr>
               <p:cNvPr id="2" name="Content Placeholder 1"/>
@@ -10249,8 +10201,8 @@
           <a:chExt cx="0" cy="0"/>
         </a:xfrm>
       </p:grpSpPr>
-      <mc:AlternateContent xmlns:mc="http://schemas.openxmlformats.org/markup-compatibility/2006">
-        <mc:Choice xmlns:a14="http://schemas.microsoft.com/office/drawing/2010/main" Requires="a14">
+      <mc:AlternateContent xmlns:mc="http://schemas.openxmlformats.org/markup-compatibility/2006" xmlns:a14="http://schemas.microsoft.com/office/drawing/2010/main">
+        <mc:Choice Requires="a14">
           <p:sp>
             <p:nvSpPr>
               <p:cNvPr id="2" name="Content Placeholder 1"/>
@@ -10378,7 +10330,7 @@
             </p:txBody>
           </p:sp>
         </mc:Choice>
-        <mc:Fallback>
+        <mc:Fallback xmlns="">
           <p:sp>
             <p:nvSpPr>
               <p:cNvPr id="2" name="Content Placeholder 1"/>
@@ -10863,8 +10815,8 @@
           <a:chExt cx="0" cy="0"/>
         </a:xfrm>
       </p:grpSpPr>
-      <mc:AlternateContent xmlns:mc="http://schemas.openxmlformats.org/markup-compatibility/2006">
-        <mc:Choice xmlns:a14="http://schemas.microsoft.com/office/drawing/2010/main" Requires="a14">
+      <mc:AlternateContent xmlns:mc="http://schemas.openxmlformats.org/markup-compatibility/2006" xmlns:a14="http://schemas.microsoft.com/office/drawing/2010/main">
+        <mc:Choice Requires="a14">
           <p:sp>
             <p:nvSpPr>
               <p:cNvPr id="2" name="Content Placeholder 1"/>
@@ -11059,7 +11011,7 @@
             </p:txBody>
           </p:sp>
         </mc:Choice>
-        <mc:Fallback>
+        <mc:Fallback xmlns="">
           <p:sp>
             <p:nvSpPr>
               <p:cNvPr id="2" name="Content Placeholder 1"/>
@@ -11173,8 +11125,8 @@
           <a:chExt cx="0" cy="0"/>
         </a:xfrm>
       </p:grpSpPr>
-      <mc:AlternateContent xmlns:mc="http://schemas.openxmlformats.org/markup-compatibility/2006">
-        <mc:Choice xmlns:a14="http://schemas.microsoft.com/office/drawing/2010/main" Requires="a14">
+      <mc:AlternateContent xmlns:mc="http://schemas.openxmlformats.org/markup-compatibility/2006" xmlns:a14="http://schemas.microsoft.com/office/drawing/2010/main">
+        <mc:Choice Requires="a14">
           <p:sp>
             <p:nvSpPr>
               <p:cNvPr id="2" name="Content Placeholder 1"/>
@@ -11472,7 +11424,7 @@
             </p:txBody>
           </p:sp>
         </mc:Choice>
-        <mc:Fallback>
+        <mc:Fallback xmlns="">
           <p:sp>
             <p:nvSpPr>
               <p:cNvPr id="2" name="Content Placeholder 1"/>
@@ -12085,8 +12037,8 @@
           <a:chExt cx="0" cy="0"/>
         </a:xfrm>
       </p:grpSpPr>
-      <mc:AlternateContent xmlns:mc="http://schemas.openxmlformats.org/markup-compatibility/2006">
-        <mc:Choice xmlns:a14="http://schemas.microsoft.com/office/drawing/2010/main" Requires="a14">
+      <mc:AlternateContent xmlns:mc="http://schemas.openxmlformats.org/markup-compatibility/2006" xmlns:a14="http://schemas.microsoft.com/office/drawing/2010/main">
+        <mc:Choice Requires="a14">
           <p:sp>
             <p:nvSpPr>
               <p:cNvPr id="2" name="Content Placeholder 1"/>
@@ -12163,13 +12115,7 @@
                           <a:rPr lang="en-US" b="0" i="1" smtClean="0">
                             <a:latin typeface="Cambria Math" panose="02040503050406030204" pitchFamily="18" charset="0"/>
                           </a:rPr>
-                          <m:t>=</m:t>
-                        </m:r>
-                        <m:r>
-                          <a:rPr lang="en-US" b="0" i="1" smtClean="0">
-                            <a:latin typeface="Cambria Math" panose="02040503050406030204" pitchFamily="18" charset="0"/>
-                          </a:rPr>
-                          <m:t>1</m:t>
+                          <m:t>=1</m:t>
                         </m:r>
                       </m:sub>
                       <m:sup>
@@ -12304,13 +12250,7 @@
                           <a:rPr lang="en-US" i="1">
                             <a:latin typeface="Cambria Math" panose="02040503050406030204" pitchFamily="18" charset="0"/>
                           </a:rPr>
-                          <m:t>=</m:t>
-                        </m:r>
-                        <m:r>
-                          <a:rPr lang="en-US" i="1">
-                            <a:latin typeface="Cambria Math" panose="02040503050406030204" pitchFamily="18" charset="0"/>
-                          </a:rPr>
-                          <m:t>1</m:t>
+                          <m:t>=1</m:t>
                         </m:r>
                       </m:sub>
                       <m:sup>
@@ -12383,7 +12323,7 @@
             </p:txBody>
           </p:sp>
         </mc:Choice>
-        <mc:Fallback>
+        <mc:Fallback xmlns="">
           <p:sp>
             <p:nvSpPr>
               <p:cNvPr id="2" name="Content Placeholder 1"/>
@@ -12600,8 +12540,8 @@
           <a:chExt cx="0" cy="0"/>
         </a:xfrm>
       </p:grpSpPr>
-      <mc:AlternateContent xmlns:mc="http://schemas.openxmlformats.org/markup-compatibility/2006">
-        <mc:Choice xmlns:a14="http://schemas.microsoft.com/office/drawing/2010/main" Requires="a14">
+      <mc:AlternateContent xmlns:mc="http://schemas.openxmlformats.org/markup-compatibility/2006" xmlns:a14="http://schemas.microsoft.com/office/drawing/2010/main">
+        <mc:Choice Requires="a14">
           <p:sp>
             <p:nvSpPr>
               <p:cNvPr id="2" name="Content Placeholder 1"/>
@@ -12689,7 +12629,7 @@
             </p:txBody>
           </p:sp>
         </mc:Choice>
-        <mc:Fallback>
+        <mc:Fallback xmlns="">
           <p:sp>
             <p:nvSpPr>
               <p:cNvPr id="2" name="Content Placeholder 1"/>
@@ -13008,8 +12948,8 @@
           <a:chExt cx="0" cy="0"/>
         </a:xfrm>
       </p:grpSpPr>
-      <mc:AlternateContent xmlns:mc="http://schemas.openxmlformats.org/markup-compatibility/2006">
-        <mc:Choice xmlns:a14="http://schemas.microsoft.com/office/drawing/2010/main" Requires="a14">
+      <mc:AlternateContent xmlns:mc="http://schemas.openxmlformats.org/markup-compatibility/2006" xmlns:a14="http://schemas.microsoft.com/office/drawing/2010/main">
+        <mc:Choice Requires="a14">
           <p:sp>
             <p:nvSpPr>
               <p:cNvPr id="2" name="Content Placeholder 1"/>
@@ -13101,7 +13041,7 @@
             </p:txBody>
           </p:sp>
         </mc:Choice>
-        <mc:Fallback>
+        <mc:Fallback xmlns="">
           <p:sp>
             <p:nvSpPr>
               <p:cNvPr id="2" name="Content Placeholder 1"/>
@@ -13465,8 +13405,8 @@
           <a:chExt cx="0" cy="0"/>
         </a:xfrm>
       </p:grpSpPr>
-      <mc:AlternateContent xmlns:mc="http://schemas.openxmlformats.org/markup-compatibility/2006">
-        <mc:Choice xmlns:a14="http://schemas.microsoft.com/office/drawing/2010/main" Requires="a14">
+      <mc:AlternateContent xmlns:mc="http://schemas.openxmlformats.org/markup-compatibility/2006" xmlns:a14="http://schemas.microsoft.com/office/drawing/2010/main">
+        <mc:Choice Requires="a14">
           <p:sp>
             <p:nvSpPr>
               <p:cNvPr id="2" name="Content Placeholder 1"/>
@@ -13574,7 +13514,7 @@
             </p:txBody>
           </p:sp>
         </mc:Choice>
-        <mc:Fallback>
+        <mc:Fallback xmlns="">
           <p:sp>
             <p:nvSpPr>
               <p:cNvPr id="2" name="Content Placeholder 1"/>
@@ -14059,8 +13999,8 @@
           <a:chExt cx="0" cy="0"/>
         </a:xfrm>
       </p:grpSpPr>
-      <mc:AlternateContent xmlns:mc="http://schemas.openxmlformats.org/markup-compatibility/2006">
-        <mc:Choice xmlns:a14="http://schemas.microsoft.com/office/drawing/2010/main" Requires="a14">
+      <mc:AlternateContent xmlns:mc="http://schemas.openxmlformats.org/markup-compatibility/2006" xmlns:a14="http://schemas.microsoft.com/office/drawing/2010/main">
+        <mc:Choice Requires="a14">
           <p:sp>
             <p:nvSpPr>
               <p:cNvPr id="2" name="Content Placeholder 1"/>
@@ -14206,13 +14146,7 @@
                             <a:rPr lang="en-US" b="0" i="1" smtClean="0">
                               <a:latin typeface="Cambria Math" panose="02040503050406030204" pitchFamily="18" charset="0"/>
                             </a:rPr>
-                            <m:t>+</m:t>
-                          </m:r>
-                          <m:r>
-                            <a:rPr lang="en-US" b="0" i="1" smtClean="0">
-                              <a:latin typeface="Cambria Math" panose="02040503050406030204" pitchFamily="18" charset="0"/>
-                            </a:rPr>
-                            <m:t>1</m:t>
+                            <m:t>+1</m:t>
                           </m:r>
                         </m:sub>
                       </m:sSub>
@@ -14346,13 +14280,7 @@
                             <a:rPr lang="en-US" b="0" i="1" smtClean="0">
                               <a:latin typeface="Cambria Math" panose="02040503050406030204" pitchFamily="18" charset="0"/>
                             </a:rPr>
-                            <m:t>−</m:t>
-                          </m:r>
-                          <m:r>
-                            <a:rPr lang="en-US" b="0" i="1" smtClean="0">
-                              <a:latin typeface="Cambria Math" panose="02040503050406030204" pitchFamily="18" charset="0"/>
-                            </a:rPr>
-                            <m:t>1</m:t>
+                            <m:t>−1</m:t>
                           </m:r>
                         </m:sup>
                       </m:sSup>
@@ -14418,7 +14346,7 @@
             </p:txBody>
           </p:sp>
         </mc:Choice>
-        <mc:Fallback>
+        <mc:Fallback xmlns="">
           <p:sp>
             <p:nvSpPr>
               <p:cNvPr id="2" name="Content Placeholder 1"/>
@@ -14478,8 +14406,8 @@
           </a:p>
         </p:txBody>
       </p:sp>
-      <mc:AlternateContent xmlns:mc="http://schemas.openxmlformats.org/markup-compatibility/2006">
-        <mc:Choice xmlns:a14="http://schemas.microsoft.com/office/drawing/2010/main" Requires="a14">
+      <mc:AlternateContent xmlns:mc="http://schemas.openxmlformats.org/markup-compatibility/2006" xmlns:a14="http://schemas.microsoft.com/office/drawing/2010/main">
+        <mc:Choice Requires="a14">
           <p:sp>
             <p:nvSpPr>
               <p:cNvPr id="4" name="Content Placeholder 1"/>
@@ -15102,7 +15030,7 @@
             </p:txBody>
           </p:sp>
         </mc:Choice>
-        <mc:Fallback>
+        <mc:Fallback xmlns="">
           <p:sp>
             <p:nvSpPr>
               <p:cNvPr id="4" name="Content Placeholder 1"/>
@@ -15165,8 +15093,8 @@
           </a:prstGeom>
         </p:spPr>
       </p:pic>
-      <mc:AlternateContent xmlns:mc="http://schemas.openxmlformats.org/markup-compatibility/2006">
-        <mc:Choice xmlns:p14="http://schemas.microsoft.com/office/powerpoint/2010/main" Requires="p14">
+      <mc:AlternateContent xmlns:mc="http://schemas.openxmlformats.org/markup-compatibility/2006" xmlns:p14="http://schemas.microsoft.com/office/powerpoint/2010/main">
+        <mc:Choice Requires="p14">
           <p:contentPart p14:bwMode="auto" r:id="rId6">
             <p14:nvContentPartPr>
               <p14:cNvPr id="6" name="Ink 5"/>
@@ -15179,7 +15107,7 @@
             </p14:xfrm>
           </p:contentPart>
         </mc:Choice>
-        <mc:Fallback>
+        <mc:Fallback xmlns="">
           <p:pic>
             <p:nvPicPr>
               <p:cNvPr id="6" name="Ink 5"/>
@@ -15844,8 +15772,8 @@
           <a:chExt cx="0" cy="0"/>
         </a:xfrm>
       </p:grpSpPr>
-      <mc:AlternateContent xmlns:mc="http://schemas.openxmlformats.org/markup-compatibility/2006">
-        <mc:Choice xmlns:a14="http://schemas.microsoft.com/office/drawing/2010/main" Requires="a14">
+      <mc:AlternateContent xmlns:mc="http://schemas.openxmlformats.org/markup-compatibility/2006" xmlns:a14="http://schemas.microsoft.com/office/drawing/2010/main">
+        <mc:Choice Requires="a14">
           <p:sp>
             <p:nvSpPr>
               <p:cNvPr id="2" name="Content Placeholder 1"/>
@@ -16171,13 +16099,7 @@
                       <a:rPr lang="en-US" b="0" i="1" smtClean="0">
                         <a:latin typeface="Cambria Math" panose="02040503050406030204" pitchFamily="18" charset="0"/>
                       </a:rPr>
-                      <m:t>&gt;</m:t>
-                    </m:r>
-                    <m:r>
-                      <a:rPr lang="en-US" b="0" i="1" smtClean="0">
-                        <a:latin typeface="Cambria Math" panose="02040503050406030204" pitchFamily="18" charset="0"/>
-                      </a:rPr>
-                      <m:t>0</m:t>
+                      <m:t>&gt;0</m:t>
                     </m:r>
                   </m:oMath>
                 </a14:m>
@@ -16550,7 +16472,7 @@
             </p:txBody>
           </p:sp>
         </mc:Choice>
-        <mc:Fallback>
+        <mc:Fallback xmlns="">
           <p:sp>
             <p:nvSpPr>
               <p:cNvPr id="2" name="Content Placeholder 1"/>
@@ -16834,8 +16756,8 @@
           </p:style>
         </p:cxnSp>
       </p:grpSp>
-      <mc:AlternateContent xmlns:mc="http://schemas.openxmlformats.org/markup-compatibility/2006">
-        <mc:Choice xmlns:a14="http://schemas.microsoft.com/office/drawing/2010/main" Requires="a14">
+      <mc:AlternateContent xmlns:mc="http://schemas.openxmlformats.org/markup-compatibility/2006" xmlns:a14="http://schemas.microsoft.com/office/drawing/2010/main">
+        <mc:Choice Requires="a14">
           <p:sp>
             <p:nvSpPr>
               <p:cNvPr id="9" name="TextBox 8"/>
@@ -16876,7 +16798,7 @@
             </p:txBody>
           </p:sp>
         </mc:Choice>
-        <mc:Fallback>
+        <mc:Fallback xmlns="">
           <p:sp>
             <p:nvSpPr>
               <p:cNvPr id="9" name="TextBox 8"/>
@@ -16915,8 +16837,8 @@
           </p:sp>
         </mc:Fallback>
       </mc:AlternateContent>
-      <mc:AlternateContent xmlns:mc="http://schemas.openxmlformats.org/markup-compatibility/2006">
-        <mc:Choice xmlns:a14="http://schemas.microsoft.com/office/drawing/2010/main" Requires="a14">
+      <mc:AlternateContent xmlns:mc="http://schemas.openxmlformats.org/markup-compatibility/2006" xmlns:a14="http://schemas.microsoft.com/office/drawing/2010/main">
+        <mc:Choice Requires="a14">
           <p:sp>
             <p:nvSpPr>
               <p:cNvPr id="12" name="TextBox 11"/>
@@ -16957,7 +16879,7 @@
             </p:txBody>
           </p:sp>
         </mc:Choice>
-        <mc:Fallback>
+        <mc:Fallback xmlns="">
           <p:sp>
             <p:nvSpPr>
               <p:cNvPr id="12" name="TextBox 11"/>
@@ -17449,8 +17371,8 @@
           <a:chExt cx="0" cy="0"/>
         </a:xfrm>
       </p:grpSpPr>
-      <mc:AlternateContent xmlns:mc="http://schemas.openxmlformats.org/markup-compatibility/2006">
-        <mc:Choice xmlns:a14="http://schemas.microsoft.com/office/drawing/2010/main" Requires="a14">
+      <mc:AlternateContent xmlns:mc="http://schemas.openxmlformats.org/markup-compatibility/2006" xmlns:a14="http://schemas.microsoft.com/office/drawing/2010/main">
+        <mc:Choice Requires="a14">
           <p:sp>
             <p:nvSpPr>
               <p:cNvPr id="2" name="Content Placeholder 1"/>
@@ -18038,7 +17960,7 @@
             </p:txBody>
           </p:sp>
         </mc:Choice>
-        <mc:Fallback>
+        <mc:Fallback xmlns="">
           <p:sp>
             <p:nvSpPr>
               <p:cNvPr id="2" name="Content Placeholder 1"/>
@@ -18494,8 +18416,8 @@
           <a:chExt cx="0" cy="0"/>
         </a:xfrm>
       </p:grpSpPr>
-      <mc:AlternateContent xmlns:mc="http://schemas.openxmlformats.org/markup-compatibility/2006">
-        <mc:Choice xmlns:a14="http://schemas.microsoft.com/office/drawing/2010/main" Requires="a14">
+      <mc:AlternateContent xmlns:mc="http://schemas.openxmlformats.org/markup-compatibility/2006" xmlns:a14="http://schemas.microsoft.com/office/drawing/2010/main">
+        <mc:Choice Requires="a14">
           <p:sp>
             <p:nvSpPr>
               <p:cNvPr id="2" name="Content Placeholder 1"/>
@@ -18821,7 +18743,7 @@
             </p:txBody>
           </p:sp>
         </mc:Choice>
-        <mc:Fallback>
+        <mc:Fallback xmlns="">
           <p:sp>
             <p:nvSpPr>
               <p:cNvPr id="2" name="Content Placeholder 1"/>
@@ -18881,8 +18803,8 @@
           </a:p>
         </p:txBody>
       </p:sp>
-      <mc:AlternateContent xmlns:mc="http://schemas.openxmlformats.org/markup-compatibility/2006">
-        <mc:Choice xmlns:p14="http://schemas.microsoft.com/office/powerpoint/2010/main" Requires="p14">
+      <mc:AlternateContent xmlns:mc="http://schemas.openxmlformats.org/markup-compatibility/2006" xmlns:p14="http://schemas.microsoft.com/office/powerpoint/2010/main">
+        <mc:Choice Requires="p14">
           <p:contentPart p14:bwMode="auto" r:id="rId3">
             <p14:nvContentPartPr>
               <p14:cNvPr id="4" name="Ink 3"/>
@@ -18895,7 +18817,7 @@
             </p14:xfrm>
           </p:contentPart>
         </mc:Choice>
-        <mc:Fallback>
+        <mc:Fallback xmlns="">
           <p:pic>
             <p:nvPicPr>
               <p:cNvPr id="4" name="Ink 3"/>
@@ -19247,8 +19169,8 @@
           <a:chExt cx="0" cy="0"/>
         </a:xfrm>
       </p:grpSpPr>
-      <mc:AlternateContent xmlns:mc="http://schemas.openxmlformats.org/markup-compatibility/2006">
-        <mc:Choice xmlns:a14="http://schemas.microsoft.com/office/drawing/2010/main" Requires="a14">
+      <mc:AlternateContent xmlns:mc="http://schemas.openxmlformats.org/markup-compatibility/2006" xmlns:a14="http://schemas.microsoft.com/office/drawing/2010/main">
+        <mc:Choice Requires="a14">
           <p:sp>
             <p:nvSpPr>
               <p:cNvPr id="2" name="Content Placeholder 1"/>
@@ -19380,13 +19302,7 @@
                       <a:rPr lang="en-US" b="0" i="1" smtClean="0">
                         <a:latin typeface="Cambria Math" panose="02040503050406030204" pitchFamily="18" charset="0"/>
                       </a:rPr>
-                      <m:t>&gt;</m:t>
-                    </m:r>
-                    <m:r>
-                      <a:rPr lang="en-US" b="0" i="1" smtClean="0">
-                        <a:latin typeface="Cambria Math" panose="02040503050406030204" pitchFamily="18" charset="0"/>
-                      </a:rPr>
-                      <m:t>0</m:t>
+                      <m:t>&gt;0</m:t>
                     </m:r>
                   </m:oMath>
                 </a14:m>
@@ -19485,13 +19401,7 @@
                       <a:rPr lang="en-US" b="0" i="1" smtClean="0">
                         <a:latin typeface="Cambria Math" panose="02040503050406030204" pitchFamily="18" charset="0"/>
                       </a:rPr>
-                      <m:t>≥</m:t>
-                    </m:r>
-                    <m:r>
-                      <a:rPr lang="en-US" b="0" i="1" smtClean="0">
-                        <a:latin typeface="Cambria Math" panose="02040503050406030204" pitchFamily="18" charset="0"/>
-                      </a:rPr>
-                      <m:t>0</m:t>
+                      <m:t>≥0</m:t>
                     </m:r>
                   </m:oMath>
                 </a14:m>
@@ -19688,13 +19598,7 @@
                                 <a:rPr lang="en-US" b="0" i="1" smtClean="0">
                                   <a:latin typeface="Cambria Math" panose="02040503050406030204" pitchFamily="18" charset="0"/>
                                 </a:rPr>
-                                <m:t>−</m:t>
-                              </m:r>
-                              <m:r>
-                                <a:rPr lang="en-US" b="0" i="1" smtClean="0">
-                                  <a:latin typeface="Cambria Math" panose="02040503050406030204" pitchFamily="18" charset="0"/>
-                                </a:rPr>
-                                <m:t>1</m:t>
+                                <m:t>−1</m:t>
                               </m:r>
                             </m:e>
                           </m:mr>
@@ -19846,7 +19750,7 @@
             </p:txBody>
           </p:sp>
         </mc:Choice>
-        <mc:Fallback>
+        <mc:Fallback xmlns="">
           <p:sp>
             <p:nvSpPr>
               <p:cNvPr id="2" name="Content Placeholder 1"/>
@@ -20222,8 +20126,8 @@
           <a:chExt cx="0" cy="0"/>
         </a:xfrm>
       </p:grpSpPr>
-      <mc:AlternateContent xmlns:mc="http://schemas.openxmlformats.org/markup-compatibility/2006">
-        <mc:Choice xmlns:a14="http://schemas.microsoft.com/office/drawing/2010/main" Requires="a14">
+      <mc:AlternateContent xmlns:mc="http://schemas.openxmlformats.org/markup-compatibility/2006" xmlns:a14="http://schemas.microsoft.com/office/drawing/2010/main">
+        <mc:Choice Requires="a14">
           <p:sp>
             <p:nvSpPr>
               <p:cNvPr id="2" name="Content Placeholder 1"/>
@@ -20491,19 +20395,7 @@
                       <a:rPr lang="en-US" b="0" i="1" smtClean="0">
                         <a:latin typeface="Cambria Math" panose="02040503050406030204" pitchFamily="18" charset="0"/>
                       </a:rPr>
-                      <m:t>≥</m:t>
-                    </m:r>
-                    <m:r>
-                      <a:rPr lang="en-US" b="0" i="1" smtClean="0">
-                        <a:latin typeface="Cambria Math" panose="02040503050406030204" pitchFamily="18" charset="0"/>
-                      </a:rPr>
-                      <m:t>0</m:t>
-                    </m:r>
-                    <m:r>
-                      <a:rPr lang="en-US" b="0" i="1" smtClean="0">
-                        <a:latin typeface="Cambria Math" panose="02040503050406030204" pitchFamily="18" charset="0"/>
-                      </a:rPr>
-                      <m:t>,   ∀</m:t>
+                      <m:t>≥0,   ∀</m:t>
                     </m:r>
                     <m:r>
                       <a:rPr lang="en-US" b="1" i="1" smtClean="0">
@@ -20717,13 +20609,7 @@
                       <a:rPr lang="en-US" i="1">
                         <a:latin typeface="Cambria Math" panose="02040503050406030204" pitchFamily="18" charset="0"/>
                       </a:rPr>
-                      <m:t>&gt;</m:t>
-                    </m:r>
-                    <m:r>
-                      <a:rPr lang="en-US" i="1">
-                        <a:latin typeface="Cambria Math" panose="02040503050406030204" pitchFamily="18" charset="0"/>
-                      </a:rPr>
-                      <m:t>0</m:t>
+                      <m:t>&gt;0</m:t>
                     </m:r>
                   </m:oMath>
                 </a14:m>
@@ -21031,7 +20917,7 @@
             </p:txBody>
           </p:sp>
         </mc:Choice>
-        <mc:Fallback>
+        <mc:Fallback xmlns="">
           <p:sp>
             <p:nvSpPr>
               <p:cNvPr id="2" name="Content Placeholder 1"/>
